--- a/MyLabsAsATeacher/Семинар_1.pptx
+++ b/MyLabsAsATeacher/Семинар_1.pptx
@@ -9,6 +9,8 @@
     <p:sldId id="257" r:id="rId3"/>
     <p:sldId id="258" r:id="rId4"/>
     <p:sldId id="259" r:id="rId5"/>
+    <p:sldId id="261" r:id="rId6"/>
+    <p:sldId id="260" r:id="rId7"/>
   </p:sldIdLst>
   <p:sldSz cx="12192000" cy="6858000"/>
   <p:notesSz cx="6858000" cy="9144000"/>
@@ -5539,6 +5541,42 @@
           <a:bodyPr/>
           <a:lstStyle/>
           <a:p>
+            <a:r>
+              <a:rPr lang="ru-RU" dirty="0"/>
+              <a:t>Кроссплатформенность</a:t>
+            </a:r>
+          </a:p>
+          <a:p>
+            <a:r>
+              <a:rPr lang="ru-RU" b="1" i="0" dirty="0">
+                <a:solidFill>
+                  <a:srgbClr val="FFFFFF"/>
+                </a:solidFill>
+                <a:effectLst/>
+                <a:latin typeface="Inter"/>
+              </a:rPr>
+              <a:t>Универсальность</a:t>
+            </a:r>
+          </a:p>
+          <a:p>
+            <a:r>
+              <a:rPr lang="ru-RU" b="1" i="0" dirty="0">
+                <a:solidFill>
+                  <a:srgbClr val="FFFFFF"/>
+                </a:solidFill>
+                <a:effectLst/>
+                <a:latin typeface="Inter"/>
+              </a:rPr>
+              <a:t>Богатая стандартная библиотека</a:t>
+            </a:r>
+            <a:endParaRPr lang="ru-RU" b="1" dirty="0">
+              <a:solidFill>
+                <a:srgbClr val="FFFFFF"/>
+              </a:solidFill>
+              <a:latin typeface="Inter"/>
+            </a:endParaRPr>
+          </a:p>
+          <a:p>
             <a:endParaRPr lang="ru-RU" dirty="0"/>
           </a:p>
         </p:txBody>
@@ -5564,7 +5602,39 @@
           <a:bodyPr/>
           <a:lstStyle/>
           <a:p>
-            <a:endParaRPr lang="ru-RU"/>
+            <a:r>
+              <a:rPr lang="en-US" b="0" i="0" dirty="0">
+                <a:solidFill>
+                  <a:srgbClr val="FFFFFF"/>
+                </a:solidFill>
+                <a:effectLst/>
+                <a:latin typeface="Inter"/>
+              </a:rPr>
+              <a:t>Python — </a:t>
+            </a:r>
+            <a:r>
+              <a:rPr lang="ru-RU" b="0" i="0" dirty="0">
+                <a:solidFill>
+                  <a:srgbClr val="FFFFFF"/>
+                </a:solidFill>
+                <a:effectLst/>
+                <a:latin typeface="Inter"/>
+              </a:rPr>
+              <a:t>это интерпретируемый язык</a:t>
+            </a:r>
+          </a:p>
+          <a:p>
+            <a:r>
+              <a:rPr lang="ru-RU" b="0" i="0" dirty="0">
+                <a:solidFill>
+                  <a:srgbClr val="FFFFFF"/>
+                </a:solidFill>
+                <a:effectLst/>
+                <a:latin typeface="Inter"/>
+              </a:rPr>
+              <a:t>Python легко интегрируется с другими языками программирования, такими как C, C++ и Java</a:t>
+            </a:r>
+            <a:endParaRPr lang="ru-RU" dirty="0"/>
           </a:p>
         </p:txBody>
       </p:sp>
@@ -5958,35 +6028,430 @@
           </a:p>
         </p:txBody>
       </p:sp>
-      <p:sp>
-        <p:nvSpPr>
-          <p:cNvPr id="6" name="Объект 5">
+      <p:pic>
+        <p:nvPicPr>
+          <p:cNvPr id="10" name="Объект 9">
             <a:extLst>
               <a:ext uri="{FF2B5EF4-FFF2-40B4-BE49-F238E27FC236}">
-                <a16:creationId xmlns:a16="http://schemas.microsoft.com/office/drawing/2014/main" id="{F353F923-6ABA-9684-4FB5-C52BCF30D84E}"/>
+                <a16:creationId xmlns:a16="http://schemas.microsoft.com/office/drawing/2014/main" id="{21A8FA72-6E99-F4A1-7FDB-15C8A3E543BB}"/>
               </a:ext>
             </a:extLst>
           </p:cNvPr>
-          <p:cNvSpPr>
-            <a:spLocks noGrp="1"/>
-          </p:cNvSpPr>
+          <p:cNvPicPr>
+            <a:picLocks noGrp="1" noChangeAspect="1"/>
+          </p:cNvPicPr>
           <p:nvPr>
             <p:ph sz="quarter" idx="4"/>
           </p:nvPr>
-        </p:nvSpPr>
-        <p:spPr/>
-        <p:txBody>
-          <a:bodyPr/>
-          <a:lstStyle/>
-          <a:p>
-            <a:endParaRPr lang="ru-RU" dirty="0"/>
-          </a:p>
-        </p:txBody>
-      </p:sp>
+        </p:nvPicPr>
+        <p:blipFill>
+          <a:blip r:embed="rId3"/>
+          <a:stretch>
+            <a:fillRect/>
+          </a:stretch>
+        </p:blipFill>
+        <p:spPr>
+          <a:xfrm>
+            <a:off x="6732948" y="2751138"/>
+            <a:ext cx="4104553" cy="3109912"/>
+          </a:xfrm>
+        </p:spPr>
+      </p:pic>
     </p:spTree>
     <p:extLst>
       <p:ext uri="{BB962C8B-B14F-4D97-AF65-F5344CB8AC3E}">
         <p14:creationId xmlns:p14="http://schemas.microsoft.com/office/powerpoint/2010/main" val="429961470"/>
+      </p:ext>
+    </p:extLst>
+  </p:cSld>
+  <p:clrMapOvr>
+    <a:masterClrMapping/>
+  </p:clrMapOvr>
+</p:sld>
+</file>
+
+<file path=ppt/slides/slide5.xml><?xml version="1.0" encoding="utf-8"?>
+<p:sld xmlns:a="http://schemas.openxmlformats.org/drawingml/2006/main" xmlns:r="http://schemas.openxmlformats.org/officeDocument/2006/relationships" xmlns:p="http://schemas.openxmlformats.org/presentationml/2006/main">
+  <p:cSld>
+    <p:spTree>
+      <p:nvGrpSpPr>
+        <p:cNvPr id="1" name=""/>
+        <p:cNvGrpSpPr/>
+        <p:nvPr/>
+      </p:nvGrpSpPr>
+      <p:grpSpPr>
+        <a:xfrm>
+          <a:off x="0" y="0"/>
+          <a:ext cx="0" cy="0"/>
+          <a:chOff x="0" y="0"/>
+          <a:chExt cx="0" cy="0"/>
+        </a:xfrm>
+      </p:grpSpPr>
+      <p:sp>
+        <p:nvSpPr>
+          <p:cNvPr id="2" name="Заголовок 1">
+            <a:extLst>
+              <a:ext uri="{FF2B5EF4-FFF2-40B4-BE49-F238E27FC236}">
+                <a16:creationId xmlns:a16="http://schemas.microsoft.com/office/drawing/2014/main" id="{14794E0F-7D5C-567D-2A1B-81B319697022}"/>
+              </a:ext>
+            </a:extLst>
+          </p:cNvPr>
+          <p:cNvSpPr>
+            <a:spLocks noGrp="1"/>
+          </p:cNvSpPr>
+          <p:nvPr>
+            <p:ph type="title"/>
+          </p:nvPr>
+        </p:nvSpPr>
+        <p:spPr>
+          <a:xfrm>
+            <a:off x="463036" y="-151709"/>
+            <a:ext cx="4852988" cy="1617163"/>
+          </a:xfrm>
+        </p:spPr>
+        <p:txBody>
+          <a:bodyPr/>
+          <a:lstStyle/>
+          <a:p>
+            <a:r>
+              <a:rPr lang="ru-RU" dirty="0"/>
+              <a:t>Массивы в </a:t>
+            </a:r>
+            <a:r>
+              <a:rPr lang="en-US" dirty="0"/>
+              <a:t>Python</a:t>
+            </a:r>
+            <a:endParaRPr lang="ru-RU" dirty="0"/>
+          </a:p>
+        </p:txBody>
+      </p:sp>
+      <p:sp>
+        <p:nvSpPr>
+          <p:cNvPr id="3" name="Рисунок 2">
+            <a:extLst>
+              <a:ext uri="{FF2B5EF4-FFF2-40B4-BE49-F238E27FC236}">
+                <a16:creationId xmlns:a16="http://schemas.microsoft.com/office/drawing/2014/main" id="{2EB39CCD-6CE2-616A-23C1-7C15F2CAB340}"/>
+              </a:ext>
+            </a:extLst>
+          </p:cNvPr>
+          <p:cNvSpPr>
+            <a:spLocks noGrp="1"/>
+          </p:cNvSpPr>
+          <p:nvPr>
+            <p:ph type="pic" sz="quarter" idx="13"/>
+          </p:nvPr>
+        </p:nvSpPr>
+        <p:spPr/>
+      </p:sp>
+      <p:sp>
+        <p:nvSpPr>
+          <p:cNvPr id="4" name="Текст 3">
+            <a:extLst>
+              <a:ext uri="{FF2B5EF4-FFF2-40B4-BE49-F238E27FC236}">
+                <a16:creationId xmlns:a16="http://schemas.microsoft.com/office/drawing/2014/main" id="{20321A9B-DB8A-DB1B-CC24-5C7ECABAB405}"/>
+              </a:ext>
+            </a:extLst>
+          </p:cNvPr>
+          <p:cNvSpPr>
+            <a:spLocks noGrp="1"/>
+          </p:cNvSpPr>
+          <p:nvPr>
+            <p:ph type="body" sz="half" idx="2"/>
+          </p:nvPr>
+        </p:nvSpPr>
+        <p:spPr>
+          <a:xfrm>
+            <a:off x="929028" y="1712001"/>
+            <a:ext cx="4852988" cy="3516365"/>
+          </a:xfrm>
+        </p:spPr>
+        <p:txBody>
+          <a:bodyPr/>
+          <a:lstStyle/>
+          <a:p>
+            <a:r>
+              <a:rPr lang="ru-RU" dirty="0"/>
+              <a:t> </a:t>
+            </a:r>
+            <a:r>
+              <a:rPr lang="ru-RU" sz="1600" dirty="0"/>
+              <a:t>список – упорядоченный набор элементов</a:t>
+            </a:r>
+          </a:p>
+          <a:p>
+            <a:endParaRPr lang="ru-RU" dirty="0"/>
+          </a:p>
+        </p:txBody>
+      </p:sp>
+      <p:pic>
+        <p:nvPicPr>
+          <p:cNvPr id="6" name="Рисунок 5">
+            <a:extLst>
+              <a:ext uri="{FF2B5EF4-FFF2-40B4-BE49-F238E27FC236}">
+                <a16:creationId xmlns:a16="http://schemas.microsoft.com/office/drawing/2014/main" id="{8829412D-D700-17A1-50E9-BA873B5BA9E6}"/>
+              </a:ext>
+            </a:extLst>
+          </p:cNvPr>
+          <p:cNvPicPr>
+            <a:picLocks noChangeAspect="1"/>
+          </p:cNvPicPr>
+          <p:nvPr/>
+        </p:nvPicPr>
+        <p:blipFill>
+          <a:blip r:embed="rId2"/>
+          <a:stretch>
+            <a:fillRect/>
+          </a:stretch>
+        </p:blipFill>
+        <p:spPr>
+          <a:xfrm>
+            <a:off x="1768639" y="2427050"/>
+            <a:ext cx="3419952" cy="2086266"/>
+          </a:xfrm>
+          <a:prstGeom prst="rect">
+            <a:avLst/>
+          </a:prstGeom>
+        </p:spPr>
+      </p:pic>
+      <p:pic>
+        <p:nvPicPr>
+          <p:cNvPr id="8" name="Рисунок 7">
+            <a:extLst>
+              <a:ext uri="{FF2B5EF4-FFF2-40B4-BE49-F238E27FC236}">
+                <a16:creationId xmlns:a16="http://schemas.microsoft.com/office/drawing/2014/main" id="{7CAD976F-EE8C-CB8A-1CD7-C58C48FD86D1}"/>
+              </a:ext>
+            </a:extLst>
+          </p:cNvPr>
+          <p:cNvPicPr>
+            <a:picLocks noChangeAspect="1"/>
+          </p:cNvPicPr>
+          <p:nvPr/>
+        </p:nvPicPr>
+        <p:blipFill>
+          <a:blip r:embed="rId3"/>
+          <a:stretch>
+            <a:fillRect/>
+          </a:stretch>
+        </p:blipFill>
+        <p:spPr>
+          <a:xfrm>
+            <a:off x="6801046" y="1465454"/>
+            <a:ext cx="4927918" cy="3250477"/>
+          </a:xfrm>
+          <a:prstGeom prst="rect">
+            <a:avLst/>
+          </a:prstGeom>
+        </p:spPr>
+      </p:pic>
+    </p:spTree>
+    <p:extLst>
+      <p:ext uri="{BB962C8B-B14F-4D97-AF65-F5344CB8AC3E}">
+        <p14:creationId xmlns:p14="http://schemas.microsoft.com/office/powerpoint/2010/main" val="4228022792"/>
+      </p:ext>
+    </p:extLst>
+  </p:cSld>
+  <p:clrMapOvr>
+    <a:masterClrMapping/>
+  </p:clrMapOvr>
+</p:sld>
+</file>
+
+<file path=ppt/slides/slide6.xml><?xml version="1.0" encoding="utf-8"?>
+<p:sld xmlns:a="http://schemas.openxmlformats.org/drawingml/2006/main" xmlns:r="http://schemas.openxmlformats.org/officeDocument/2006/relationships" xmlns:p="http://schemas.openxmlformats.org/presentationml/2006/main">
+  <p:cSld>
+    <p:spTree>
+      <p:nvGrpSpPr>
+        <p:cNvPr id="1" name=""/>
+        <p:cNvGrpSpPr/>
+        <p:nvPr/>
+      </p:nvGrpSpPr>
+      <p:grpSpPr>
+        <a:xfrm>
+          <a:off x="0" y="0"/>
+          <a:ext cx="0" cy="0"/>
+          <a:chOff x="0" y="0"/>
+          <a:chExt cx="0" cy="0"/>
+        </a:xfrm>
+      </p:grpSpPr>
+      <p:sp>
+        <p:nvSpPr>
+          <p:cNvPr id="2" name="Заголовок 1">
+            <a:extLst>
+              <a:ext uri="{FF2B5EF4-FFF2-40B4-BE49-F238E27FC236}">
+                <a16:creationId xmlns:a16="http://schemas.microsoft.com/office/drawing/2014/main" id="{F132ECA5-C80B-B989-9EE8-BE92B54E269B}"/>
+              </a:ext>
+            </a:extLst>
+          </p:cNvPr>
+          <p:cNvSpPr>
+            <a:spLocks noGrp="1"/>
+          </p:cNvSpPr>
+          <p:nvPr>
+            <p:ph type="title"/>
+          </p:nvPr>
+        </p:nvSpPr>
+        <p:spPr/>
+        <p:txBody>
+          <a:bodyPr/>
+          <a:lstStyle/>
+          <a:p>
+            <a:r>
+              <a:rPr lang="ru-RU" dirty="0"/>
+              <a:t>Циклы </a:t>
+            </a:r>
+            <a:r>
+              <a:rPr lang="en-US" dirty="0"/>
+              <a:t>while </a:t>
+            </a:r>
+            <a:r>
+              <a:rPr lang="ru-RU" dirty="0"/>
+              <a:t>и </a:t>
+            </a:r>
+            <a:r>
+              <a:rPr lang="en-US" dirty="0"/>
+              <a:t>for </a:t>
+            </a:r>
+            <a:r>
+              <a:rPr lang="ru-RU" dirty="0"/>
+              <a:t>в </a:t>
+            </a:r>
+            <a:r>
+              <a:rPr lang="en-US" dirty="0"/>
+              <a:t>python</a:t>
+            </a:r>
+            <a:endParaRPr lang="ru-RU" dirty="0"/>
+          </a:p>
+        </p:txBody>
+      </p:sp>
+      <p:sp>
+        <p:nvSpPr>
+          <p:cNvPr id="3" name="Текст 2">
+            <a:extLst>
+              <a:ext uri="{FF2B5EF4-FFF2-40B4-BE49-F238E27FC236}">
+                <a16:creationId xmlns:a16="http://schemas.microsoft.com/office/drawing/2014/main" id="{C7AC2D40-58D8-F3B6-0C12-98ADEA44E0E5}"/>
+              </a:ext>
+            </a:extLst>
+          </p:cNvPr>
+          <p:cNvSpPr>
+            <a:spLocks noGrp="1"/>
+          </p:cNvSpPr>
+          <p:nvPr>
+            <p:ph type="body" idx="1"/>
+          </p:nvPr>
+        </p:nvSpPr>
+        <p:spPr>
+          <a:xfrm>
+            <a:off x="-706341" y="2174875"/>
+            <a:ext cx="5189857" cy="576262"/>
+          </a:xfrm>
+        </p:spPr>
+        <p:txBody>
+          <a:bodyPr/>
+          <a:lstStyle/>
+          <a:p>
+            <a:r>
+              <a:rPr lang="en-US" sz="3200" dirty="0"/>
+              <a:t>while</a:t>
+            </a:r>
+            <a:endParaRPr lang="ru-RU" sz="3200" dirty="0"/>
+          </a:p>
+        </p:txBody>
+      </p:sp>
+      <p:pic>
+        <p:nvPicPr>
+          <p:cNvPr id="8" name="Объект 7">
+            <a:extLst>
+              <a:ext uri="{FF2B5EF4-FFF2-40B4-BE49-F238E27FC236}">
+                <a16:creationId xmlns:a16="http://schemas.microsoft.com/office/drawing/2014/main" id="{0CEE948C-DD1D-1C26-0C99-AFA2B7585BAD}"/>
+              </a:ext>
+            </a:extLst>
+          </p:cNvPr>
+          <p:cNvPicPr>
+            <a:picLocks noGrp="1" noChangeAspect="1"/>
+          </p:cNvPicPr>
+          <p:nvPr>
+            <p:ph sz="half" idx="2"/>
+          </p:nvPr>
+        </p:nvPicPr>
+        <p:blipFill>
+          <a:blip r:embed="rId2"/>
+          <a:stretch>
+            <a:fillRect/>
+          </a:stretch>
+        </p:blipFill>
+        <p:spPr>
+          <a:xfrm>
+            <a:off x="663810" y="3206626"/>
+            <a:ext cx="4505954" cy="1800476"/>
+          </a:xfrm>
+        </p:spPr>
+      </p:pic>
+      <p:sp>
+        <p:nvSpPr>
+          <p:cNvPr id="5" name="Текст 4">
+            <a:extLst>
+              <a:ext uri="{FF2B5EF4-FFF2-40B4-BE49-F238E27FC236}">
+                <a16:creationId xmlns:a16="http://schemas.microsoft.com/office/drawing/2014/main" id="{0A234B6F-AB28-CC08-E221-402CC13816E9}"/>
+              </a:ext>
+            </a:extLst>
+          </p:cNvPr>
+          <p:cNvSpPr>
+            <a:spLocks noGrp="1"/>
+          </p:cNvSpPr>
+          <p:nvPr>
+            <p:ph type="body" sz="quarter" idx="3"/>
+          </p:nvPr>
+        </p:nvSpPr>
+        <p:spPr>
+          <a:xfrm>
+            <a:off x="4483516" y="2174875"/>
+            <a:ext cx="5194583" cy="576262"/>
+          </a:xfrm>
+        </p:spPr>
+        <p:txBody>
+          <a:bodyPr/>
+          <a:lstStyle/>
+          <a:p>
+            <a:r>
+              <a:rPr lang="en-US" sz="2800" dirty="0"/>
+              <a:t>for</a:t>
+            </a:r>
+            <a:endParaRPr lang="ru-RU" sz="2800" dirty="0"/>
+          </a:p>
+        </p:txBody>
+      </p:sp>
+      <p:pic>
+        <p:nvPicPr>
+          <p:cNvPr id="10" name="Объект 9">
+            <a:extLst>
+              <a:ext uri="{FF2B5EF4-FFF2-40B4-BE49-F238E27FC236}">
+                <a16:creationId xmlns:a16="http://schemas.microsoft.com/office/drawing/2014/main" id="{C7F1616A-C1F3-7408-E1E5-BAB63C672A4D}"/>
+              </a:ext>
+            </a:extLst>
+          </p:cNvPr>
+          <p:cNvPicPr>
+            <a:picLocks noGrp="1" noChangeAspect="1"/>
+          </p:cNvPicPr>
+          <p:nvPr>
+            <p:ph sz="quarter" idx="4"/>
+          </p:nvPr>
+        </p:nvPicPr>
+        <p:blipFill>
+          <a:blip r:embed="rId3"/>
+          <a:stretch>
+            <a:fillRect/>
+          </a:stretch>
+        </p:blipFill>
+        <p:spPr>
+          <a:xfrm>
+            <a:off x="5829300" y="2751137"/>
+            <a:ext cx="5387161" cy="3460843"/>
+          </a:xfrm>
+        </p:spPr>
+      </p:pic>
+    </p:spTree>
+    <p:extLst>
+      <p:ext uri="{BB962C8B-B14F-4D97-AF65-F5344CB8AC3E}">
+        <p14:creationId xmlns:p14="http://schemas.microsoft.com/office/powerpoint/2010/main" val="3773116455"/>
       </p:ext>
     </p:extLst>
   </p:cSld>
